--- a/포트폴리오/주차 관리 프로그램/주차 관리 프로그램-양화영.pptx
+++ b/포트폴리오/주차 관리 프로그램/주차 관리 프로그램-양화영.pptx
@@ -119,14 +119,39 @@
   </p:defaultTextStyle>
   <p:extLst>
     <p:ext uri="{EFAFB233-063F-42B5-8137-9DF3F51BA10A}">
-      <p15:sldGuideLst xmlns:p15="http://schemas.microsoft.com/office/powerpoint/2012/main" xmlns=""/>
+      <p15:sldGuideLst xmlns:p15="http://schemas.microsoft.com/office/powerpoint/2012/main">
+        <p15:guide id="1" orient="horz" pos="2160">
+          <p15:clr>
+            <a:srgbClr val="A4A3A4"/>
+          </p15:clr>
+        </p15:guide>
+        <p15:guide id="2" pos="3840">
+          <p15:clr>
+            <a:srgbClr val="A4A3A4"/>
+          </p15:clr>
+        </p15:guide>
+      </p15:sldGuideLst>
+    </p:ext>
+    <p:ext uri="{2D200454-40CA-4A62-9FC3-DE9A4176ACB9}">
+      <p15:notesGuideLst xmlns:p15="http://schemas.microsoft.com/office/powerpoint/2012/main">
+        <p15:guide id="1" orient="horz" pos="2880">
+          <p15:clr>
+            <a:srgbClr val="A4A3A4"/>
+          </p15:clr>
+        </p15:guide>
+        <p15:guide id="2" pos="2160">
+          <p15:clr>
+            <a:srgbClr val="A4A3A4"/>
+          </p15:clr>
+        </p15:guide>
+      </p15:notesGuideLst>
     </p:ext>
   </p:extLst>
 </p:presentation>
 </file>
 
 <file path=ppt/charts/chart1.xml><?xml version="1.0" encoding="utf-8"?>
-<c:chartSpace xmlns:c="http://schemas.openxmlformats.org/drawingml/2006/chart" xmlns:a="http://schemas.openxmlformats.org/drawingml/2006/main" xmlns:r="http://schemas.openxmlformats.org/officeDocument/2006/relationships">
+<c:chartSpace xmlns:c="http://schemas.openxmlformats.org/drawingml/2006/chart" xmlns:a="http://schemas.openxmlformats.org/drawingml/2006/main" xmlns:r="http://schemas.openxmlformats.org/officeDocument/2006/relationships" xmlns:c16r2="http://schemas.microsoft.com/office/drawing/2015/06/chart">
   <c:date1904 val="0"/>
   <c:lang val="ko-KR"/>
   <c:roundedCorners val="0"/>
@@ -185,7 +210,7 @@
               </a:ln>
               <a:effectLst/>
             </c:spPr>
-            <c:extLst xmlns:c16r2="http://schemas.microsoft.com/office/drawing/2015/06/chart">
+            <c:extLst>
               <c:ext xmlns:c16="http://schemas.microsoft.com/office/drawing/2014/chart" uri="{C3380CC4-5D6E-409C-BE32-E72D297353CC}">
                 <c16:uniqueId val="{00000001-4666-4E94-A497-464F88B015ED}"/>
               </c:ext>
@@ -227,6 +252,11 @@
               <c:showSerName val="0"/>
               <c:showPercent val="0"/>
               <c:showBubbleSize val="0"/>
+              <c:extLst>
+                <c:ext xmlns:c16="http://schemas.microsoft.com/office/drawing/2014/chart" uri="{C3380CC4-5D6E-409C-BE32-E72D297353CC}">
+                  <c16:uniqueId val="{00000001-4666-4E94-A497-464F88B015ED}"/>
+                </c:ext>
+              </c:extLst>
             </c:dLbl>
             <c:dLbl>
               <c:idx val="11"/>
@@ -263,6 +293,11 @@
               <c:showSerName val="0"/>
               <c:showPercent val="0"/>
               <c:showBubbleSize val="0"/>
+              <c:extLst>
+                <c:ext xmlns:c16="http://schemas.microsoft.com/office/drawing/2014/chart" uri="{C3380CC4-5D6E-409C-BE32-E72D297353CC}">
+                  <c16:uniqueId val="{00000002-A5A6-4596-8429-6E1809BB1929}"/>
+                </c:ext>
+              </c:extLst>
             </c:dLbl>
             <c:spPr>
               <a:noFill/>
@@ -298,7 +333,7 @@
             <c:showPercent val="0"/>
             <c:showBubbleSize val="0"/>
             <c:showLeaderLines val="0"/>
-            <c:extLst xmlns:c16r2="http://schemas.microsoft.com/office/drawing/2015/06/chart">
+            <c:extLst>
               <c:ext xmlns:c15="http://schemas.microsoft.com/office/drawing/2012/chart" uri="{CE6537A1-D6FC-4f65-9D91-7224C49458BB}">
                 <c15:layout/>
                 <c15:showLeaderLines val="1"/>
@@ -395,7 +430,7 @@
               </c:numCache>
             </c:numRef>
           </c:val>
-          <c:extLst xmlns:c16r2="http://schemas.microsoft.com/office/drawing/2015/06/chart">
+          <c:extLst>
             <c:ext xmlns:c16="http://schemas.microsoft.com/office/drawing/2014/chart" uri="{C3380CC4-5D6E-409C-BE32-E72D297353CC}">
               <c16:uniqueId val="{00000003-4666-4E94-A497-464F88B015ED}"/>
             </c:ext>
@@ -606,7 +641,7 @@
           <a:p>
             <a:fld id="{FAA06B42-16D3-4CAB-92C5-885516D4750D}" type="datetimeFigureOut">
               <a:rPr lang="ko-KR" altLang="en-US" smtClean="0"/>
-              <a:t>2021-04-19</a:t>
+              <a:t>2021-04-20</a:t>
             </a:fld>
             <a:endParaRPr lang="ko-KR" altLang="en-US"/>
           </a:p>
@@ -896,7 +931,7 @@
           <p:cNvPr id="2" name="제목 1">
             <a:extLst>
               <a:ext uri="{FF2B5EF4-FFF2-40B4-BE49-F238E27FC236}">
-                <a16:creationId xmlns:a16="http://schemas.microsoft.com/office/drawing/2014/main" xmlns="" id="{22112318-F619-4488-8B6E-2F5F2426A69A}"/>
+                <a16:creationId xmlns:a16="http://schemas.microsoft.com/office/drawing/2014/main" id="{22112318-F619-4488-8B6E-2F5F2426A69A}"/>
               </a:ext>
             </a:extLst>
           </p:cNvPr>
@@ -933,7 +968,7 @@
           <p:cNvPr id="3" name="부제목 2">
             <a:extLst>
               <a:ext uri="{FF2B5EF4-FFF2-40B4-BE49-F238E27FC236}">
-                <a16:creationId xmlns:a16="http://schemas.microsoft.com/office/drawing/2014/main" xmlns="" id="{E8BEE6BB-9A5F-4E9F-9F1C-6D46BE01A313}"/>
+                <a16:creationId xmlns:a16="http://schemas.microsoft.com/office/drawing/2014/main" id="{E8BEE6BB-9A5F-4E9F-9F1C-6D46BE01A313}"/>
               </a:ext>
             </a:extLst>
           </p:cNvPr>
@@ -1003,7 +1038,7 @@
           <p:cNvPr id="4" name="날짜 개체 틀 3">
             <a:extLst>
               <a:ext uri="{FF2B5EF4-FFF2-40B4-BE49-F238E27FC236}">
-                <a16:creationId xmlns:a16="http://schemas.microsoft.com/office/drawing/2014/main" xmlns="" id="{D2D9A51D-A948-4CB8-A9EB-5A26520C8EF0}"/>
+                <a16:creationId xmlns:a16="http://schemas.microsoft.com/office/drawing/2014/main" id="{D2D9A51D-A948-4CB8-A9EB-5A26520C8EF0}"/>
               </a:ext>
             </a:extLst>
           </p:cNvPr>
@@ -1028,7 +1063,7 @@
                 </a:solidFill>
               </a:rPr>
               <a:pPr/>
-              <a:t>2021-04-19</a:t>
+              <a:t>2021-04-20</a:t>
             </a:fld>
             <a:endParaRPr lang="ko-KR" altLang="en-US">
               <a:solidFill>
@@ -1045,7 +1080,7 @@
           <p:cNvPr id="5" name="바닥글 개체 틀 4">
             <a:extLst>
               <a:ext uri="{FF2B5EF4-FFF2-40B4-BE49-F238E27FC236}">
-                <a16:creationId xmlns:a16="http://schemas.microsoft.com/office/drawing/2014/main" xmlns="" id="{84374BBD-0B82-4658-B13D-088F0E4D078E}"/>
+                <a16:creationId xmlns:a16="http://schemas.microsoft.com/office/drawing/2014/main" id="{84374BBD-0B82-4658-B13D-088F0E4D078E}"/>
               </a:ext>
             </a:extLst>
           </p:cNvPr>
@@ -1076,7 +1111,7 @@
           <p:cNvPr id="6" name="슬라이드 번호 개체 틀 5">
             <a:extLst>
               <a:ext uri="{FF2B5EF4-FFF2-40B4-BE49-F238E27FC236}">
-                <a16:creationId xmlns:a16="http://schemas.microsoft.com/office/drawing/2014/main" xmlns="" id="{AB1AAA67-696A-4836-A10B-FF164C3AF889}"/>
+                <a16:creationId xmlns:a16="http://schemas.microsoft.com/office/drawing/2014/main" id="{AB1AAA67-696A-4836-A10B-FF164C3AF889}"/>
               </a:ext>
             </a:extLst>
           </p:cNvPr>
@@ -1148,7 +1183,7 @@
           <p:cNvPr id="2" name="제목 1">
             <a:extLst>
               <a:ext uri="{FF2B5EF4-FFF2-40B4-BE49-F238E27FC236}">
-                <a16:creationId xmlns:a16="http://schemas.microsoft.com/office/drawing/2014/main" xmlns="" id="{3C43AEE1-28CA-46D2-81F5-CD34E4F9E583}"/>
+                <a16:creationId xmlns:a16="http://schemas.microsoft.com/office/drawing/2014/main" id="{3C43AEE1-28CA-46D2-81F5-CD34E4F9E583}"/>
               </a:ext>
             </a:extLst>
           </p:cNvPr>
@@ -1176,7 +1211,7 @@
           <p:cNvPr id="3" name="세로 텍스트 개체 틀 2">
             <a:extLst>
               <a:ext uri="{FF2B5EF4-FFF2-40B4-BE49-F238E27FC236}">
-                <a16:creationId xmlns:a16="http://schemas.microsoft.com/office/drawing/2014/main" xmlns="" id="{C738FEC2-4BF0-4A45-9297-EE9B2E45E5CC}"/>
+                <a16:creationId xmlns:a16="http://schemas.microsoft.com/office/drawing/2014/main" id="{C738FEC2-4BF0-4A45-9297-EE9B2E45E5CC}"/>
               </a:ext>
             </a:extLst>
           </p:cNvPr>
@@ -1233,7 +1268,7 @@
           <p:cNvPr id="4" name="날짜 개체 틀 3">
             <a:extLst>
               <a:ext uri="{FF2B5EF4-FFF2-40B4-BE49-F238E27FC236}">
-                <a16:creationId xmlns:a16="http://schemas.microsoft.com/office/drawing/2014/main" xmlns="" id="{2BEDBAD0-D342-4544-94B8-122B3BDBF705}"/>
+                <a16:creationId xmlns:a16="http://schemas.microsoft.com/office/drawing/2014/main" id="{2BEDBAD0-D342-4544-94B8-122B3BDBF705}"/>
               </a:ext>
             </a:extLst>
           </p:cNvPr>
@@ -1258,7 +1293,7 @@
                 </a:solidFill>
               </a:rPr>
               <a:pPr/>
-              <a:t>2021-04-19</a:t>
+              <a:t>2021-04-20</a:t>
             </a:fld>
             <a:endParaRPr lang="ko-KR" altLang="en-US">
               <a:solidFill>
@@ -1275,7 +1310,7 @@
           <p:cNvPr id="5" name="바닥글 개체 틀 4">
             <a:extLst>
               <a:ext uri="{FF2B5EF4-FFF2-40B4-BE49-F238E27FC236}">
-                <a16:creationId xmlns:a16="http://schemas.microsoft.com/office/drawing/2014/main" xmlns="" id="{1D70FE0D-ACBA-4806-9F35-4EB786E865FE}"/>
+                <a16:creationId xmlns:a16="http://schemas.microsoft.com/office/drawing/2014/main" id="{1D70FE0D-ACBA-4806-9F35-4EB786E865FE}"/>
               </a:ext>
             </a:extLst>
           </p:cNvPr>
@@ -1306,7 +1341,7 @@
           <p:cNvPr id="6" name="슬라이드 번호 개체 틀 5">
             <a:extLst>
               <a:ext uri="{FF2B5EF4-FFF2-40B4-BE49-F238E27FC236}">
-                <a16:creationId xmlns:a16="http://schemas.microsoft.com/office/drawing/2014/main" xmlns="" id="{A7F3119A-4AE1-408F-B8AD-4428B0060B24}"/>
+                <a16:creationId xmlns:a16="http://schemas.microsoft.com/office/drawing/2014/main" id="{A7F3119A-4AE1-408F-B8AD-4428B0060B24}"/>
               </a:ext>
             </a:extLst>
           </p:cNvPr>
@@ -1378,7 +1413,7 @@
           <p:cNvPr id="2" name="세로 제목 1">
             <a:extLst>
               <a:ext uri="{FF2B5EF4-FFF2-40B4-BE49-F238E27FC236}">
-                <a16:creationId xmlns:a16="http://schemas.microsoft.com/office/drawing/2014/main" xmlns="" id="{F0B3D2AB-E650-41C2-B6FB-5398A5C19680}"/>
+                <a16:creationId xmlns:a16="http://schemas.microsoft.com/office/drawing/2014/main" id="{F0B3D2AB-E650-41C2-B6FB-5398A5C19680}"/>
               </a:ext>
             </a:extLst>
           </p:cNvPr>
@@ -1411,7 +1446,7 @@
           <p:cNvPr id="3" name="세로 텍스트 개체 틀 2">
             <a:extLst>
               <a:ext uri="{FF2B5EF4-FFF2-40B4-BE49-F238E27FC236}">
-                <a16:creationId xmlns:a16="http://schemas.microsoft.com/office/drawing/2014/main" xmlns="" id="{992D6516-8F93-4221-97F7-E01D89EE517D}"/>
+                <a16:creationId xmlns:a16="http://schemas.microsoft.com/office/drawing/2014/main" id="{992D6516-8F93-4221-97F7-E01D89EE517D}"/>
               </a:ext>
             </a:extLst>
           </p:cNvPr>
@@ -1473,7 +1508,7 @@
           <p:cNvPr id="4" name="날짜 개체 틀 3">
             <a:extLst>
               <a:ext uri="{FF2B5EF4-FFF2-40B4-BE49-F238E27FC236}">
-                <a16:creationId xmlns:a16="http://schemas.microsoft.com/office/drawing/2014/main" xmlns="" id="{8D86CB26-A349-496A-B48B-A7B891172236}"/>
+                <a16:creationId xmlns:a16="http://schemas.microsoft.com/office/drawing/2014/main" id="{8D86CB26-A349-496A-B48B-A7B891172236}"/>
               </a:ext>
             </a:extLst>
           </p:cNvPr>
@@ -1498,7 +1533,7 @@
                 </a:solidFill>
               </a:rPr>
               <a:pPr/>
-              <a:t>2021-04-19</a:t>
+              <a:t>2021-04-20</a:t>
             </a:fld>
             <a:endParaRPr lang="ko-KR" altLang="en-US">
               <a:solidFill>
@@ -1515,7 +1550,7 @@
           <p:cNvPr id="5" name="바닥글 개체 틀 4">
             <a:extLst>
               <a:ext uri="{FF2B5EF4-FFF2-40B4-BE49-F238E27FC236}">
-                <a16:creationId xmlns:a16="http://schemas.microsoft.com/office/drawing/2014/main" xmlns="" id="{C2E726FD-A739-41D5-96BA-4670363928CF}"/>
+                <a16:creationId xmlns:a16="http://schemas.microsoft.com/office/drawing/2014/main" id="{C2E726FD-A739-41D5-96BA-4670363928CF}"/>
               </a:ext>
             </a:extLst>
           </p:cNvPr>
@@ -1546,7 +1581,7 @@
           <p:cNvPr id="6" name="슬라이드 번호 개체 틀 5">
             <a:extLst>
               <a:ext uri="{FF2B5EF4-FFF2-40B4-BE49-F238E27FC236}">
-                <a16:creationId xmlns:a16="http://schemas.microsoft.com/office/drawing/2014/main" xmlns="" id="{60FAE18D-FED5-4070-8B76-811D76CCECC9}"/>
+                <a16:creationId xmlns:a16="http://schemas.microsoft.com/office/drawing/2014/main" id="{60FAE18D-FED5-4070-8B76-811D76CCECC9}"/>
               </a:ext>
             </a:extLst>
           </p:cNvPr>
@@ -1618,7 +1653,7 @@
           <p:cNvPr id="2" name="제목 1">
             <a:extLst>
               <a:ext uri="{FF2B5EF4-FFF2-40B4-BE49-F238E27FC236}">
-                <a16:creationId xmlns:a16="http://schemas.microsoft.com/office/drawing/2014/main" xmlns="" id="{5CC6958D-28E5-4CC8-8C48-52A02A1BC426}"/>
+                <a16:creationId xmlns:a16="http://schemas.microsoft.com/office/drawing/2014/main" id="{5CC6958D-28E5-4CC8-8C48-52A02A1BC426}"/>
               </a:ext>
             </a:extLst>
           </p:cNvPr>
@@ -1646,7 +1681,7 @@
           <p:cNvPr id="3" name="내용 개체 틀 2">
             <a:extLst>
               <a:ext uri="{FF2B5EF4-FFF2-40B4-BE49-F238E27FC236}">
-                <a16:creationId xmlns:a16="http://schemas.microsoft.com/office/drawing/2014/main" xmlns="" id="{E8E03031-827B-4AC7-B564-384C16177476}"/>
+                <a16:creationId xmlns:a16="http://schemas.microsoft.com/office/drawing/2014/main" id="{E8E03031-827B-4AC7-B564-384C16177476}"/>
               </a:ext>
             </a:extLst>
           </p:cNvPr>
@@ -1703,7 +1738,7 @@
           <p:cNvPr id="4" name="날짜 개체 틀 3">
             <a:extLst>
               <a:ext uri="{FF2B5EF4-FFF2-40B4-BE49-F238E27FC236}">
-                <a16:creationId xmlns:a16="http://schemas.microsoft.com/office/drawing/2014/main" xmlns="" id="{11C19838-69C9-49EB-9B51-549106E9B8DE}"/>
+                <a16:creationId xmlns:a16="http://schemas.microsoft.com/office/drawing/2014/main" id="{11C19838-69C9-49EB-9B51-549106E9B8DE}"/>
               </a:ext>
             </a:extLst>
           </p:cNvPr>
@@ -1728,7 +1763,7 @@
                 </a:solidFill>
               </a:rPr>
               <a:pPr/>
-              <a:t>2021-04-19</a:t>
+              <a:t>2021-04-20</a:t>
             </a:fld>
             <a:endParaRPr lang="ko-KR" altLang="en-US">
               <a:solidFill>
@@ -1745,7 +1780,7 @@
           <p:cNvPr id="5" name="바닥글 개체 틀 4">
             <a:extLst>
               <a:ext uri="{FF2B5EF4-FFF2-40B4-BE49-F238E27FC236}">
-                <a16:creationId xmlns:a16="http://schemas.microsoft.com/office/drawing/2014/main" xmlns="" id="{3C26852C-90C9-4502-A697-363CF824CFD0}"/>
+                <a16:creationId xmlns:a16="http://schemas.microsoft.com/office/drawing/2014/main" id="{3C26852C-90C9-4502-A697-363CF824CFD0}"/>
               </a:ext>
             </a:extLst>
           </p:cNvPr>
@@ -1776,7 +1811,7 @@
           <p:cNvPr id="6" name="슬라이드 번호 개체 틀 5">
             <a:extLst>
               <a:ext uri="{FF2B5EF4-FFF2-40B4-BE49-F238E27FC236}">
-                <a16:creationId xmlns:a16="http://schemas.microsoft.com/office/drawing/2014/main" xmlns="" id="{DF7509D0-CCBD-406A-9D4E-6845657BBAED}"/>
+                <a16:creationId xmlns:a16="http://schemas.microsoft.com/office/drawing/2014/main" id="{DF7509D0-CCBD-406A-9D4E-6845657BBAED}"/>
               </a:ext>
             </a:extLst>
           </p:cNvPr>
@@ -1855,7 +1890,7 @@
           <p:cNvPr id="2" name="제목 1">
             <a:extLst>
               <a:ext uri="{FF2B5EF4-FFF2-40B4-BE49-F238E27FC236}">
-                <a16:creationId xmlns:a16="http://schemas.microsoft.com/office/drawing/2014/main" xmlns="" id="{6CEF73EF-188B-4B17-B08F-D30E80C308D0}"/>
+                <a16:creationId xmlns:a16="http://schemas.microsoft.com/office/drawing/2014/main" id="{6CEF73EF-188B-4B17-B08F-D30E80C308D0}"/>
               </a:ext>
             </a:extLst>
           </p:cNvPr>
@@ -1892,7 +1927,7 @@
           <p:cNvPr id="3" name="텍스트 개체 틀 2">
             <a:extLst>
               <a:ext uri="{FF2B5EF4-FFF2-40B4-BE49-F238E27FC236}">
-                <a16:creationId xmlns:a16="http://schemas.microsoft.com/office/drawing/2014/main" xmlns="" id="{DD7DD2CA-F9BF-47A8-9D27-757556FD1CEE}"/>
+                <a16:creationId xmlns:a16="http://schemas.microsoft.com/office/drawing/2014/main" id="{DD7DD2CA-F9BF-47A8-9D27-757556FD1CEE}"/>
               </a:ext>
             </a:extLst>
           </p:cNvPr>
@@ -2017,7 +2052,7 @@
           <p:cNvPr id="4" name="날짜 개체 틀 3">
             <a:extLst>
               <a:ext uri="{FF2B5EF4-FFF2-40B4-BE49-F238E27FC236}">
-                <a16:creationId xmlns:a16="http://schemas.microsoft.com/office/drawing/2014/main" xmlns="" id="{DE78A1FB-ABBF-480D-AC6C-9BB1AEF9789B}"/>
+                <a16:creationId xmlns:a16="http://schemas.microsoft.com/office/drawing/2014/main" id="{DE78A1FB-ABBF-480D-AC6C-9BB1AEF9789B}"/>
               </a:ext>
             </a:extLst>
           </p:cNvPr>
@@ -2042,7 +2077,7 @@
                 </a:solidFill>
               </a:rPr>
               <a:pPr/>
-              <a:t>2021-04-19</a:t>
+              <a:t>2021-04-20</a:t>
             </a:fld>
             <a:endParaRPr lang="ko-KR" altLang="en-US">
               <a:solidFill>
@@ -2059,7 +2094,7 @@
           <p:cNvPr id="5" name="바닥글 개체 틀 4">
             <a:extLst>
               <a:ext uri="{FF2B5EF4-FFF2-40B4-BE49-F238E27FC236}">
-                <a16:creationId xmlns:a16="http://schemas.microsoft.com/office/drawing/2014/main" xmlns="" id="{6384247E-1D11-4A19-BDDF-E157A205B45F}"/>
+                <a16:creationId xmlns:a16="http://schemas.microsoft.com/office/drawing/2014/main" id="{6384247E-1D11-4A19-BDDF-E157A205B45F}"/>
               </a:ext>
             </a:extLst>
           </p:cNvPr>
@@ -2090,7 +2125,7 @@
           <p:cNvPr id="6" name="슬라이드 번호 개체 틀 5">
             <a:extLst>
               <a:ext uri="{FF2B5EF4-FFF2-40B4-BE49-F238E27FC236}">
-                <a16:creationId xmlns:a16="http://schemas.microsoft.com/office/drawing/2014/main" xmlns="" id="{124EC815-B6FC-4BDE-910C-F8015ED4AD75}"/>
+                <a16:creationId xmlns:a16="http://schemas.microsoft.com/office/drawing/2014/main" id="{124EC815-B6FC-4BDE-910C-F8015ED4AD75}"/>
               </a:ext>
             </a:extLst>
           </p:cNvPr>
@@ -2162,7 +2197,7 @@
           <p:cNvPr id="2" name="제목 1">
             <a:extLst>
               <a:ext uri="{FF2B5EF4-FFF2-40B4-BE49-F238E27FC236}">
-                <a16:creationId xmlns:a16="http://schemas.microsoft.com/office/drawing/2014/main" xmlns="" id="{B4DAEB91-29AA-4ACC-BDCF-960470FCA5A1}"/>
+                <a16:creationId xmlns:a16="http://schemas.microsoft.com/office/drawing/2014/main" id="{B4DAEB91-29AA-4ACC-BDCF-960470FCA5A1}"/>
               </a:ext>
             </a:extLst>
           </p:cNvPr>
@@ -2190,7 +2225,7 @@
           <p:cNvPr id="3" name="내용 개체 틀 2">
             <a:extLst>
               <a:ext uri="{FF2B5EF4-FFF2-40B4-BE49-F238E27FC236}">
-                <a16:creationId xmlns:a16="http://schemas.microsoft.com/office/drawing/2014/main" xmlns="" id="{256B0E51-7DC0-45B6-8306-D8167F5CB7C8}"/>
+                <a16:creationId xmlns:a16="http://schemas.microsoft.com/office/drawing/2014/main" id="{256B0E51-7DC0-45B6-8306-D8167F5CB7C8}"/>
               </a:ext>
             </a:extLst>
           </p:cNvPr>
@@ -2252,7 +2287,7 @@
           <p:cNvPr id="4" name="내용 개체 틀 3">
             <a:extLst>
               <a:ext uri="{FF2B5EF4-FFF2-40B4-BE49-F238E27FC236}">
-                <a16:creationId xmlns:a16="http://schemas.microsoft.com/office/drawing/2014/main" xmlns="" id="{F7CB78CC-8798-4261-B4B1-60B4C54377A7}"/>
+                <a16:creationId xmlns:a16="http://schemas.microsoft.com/office/drawing/2014/main" id="{F7CB78CC-8798-4261-B4B1-60B4C54377A7}"/>
               </a:ext>
             </a:extLst>
           </p:cNvPr>
@@ -2314,7 +2349,7 @@
           <p:cNvPr id="5" name="날짜 개체 틀 4">
             <a:extLst>
               <a:ext uri="{FF2B5EF4-FFF2-40B4-BE49-F238E27FC236}">
-                <a16:creationId xmlns:a16="http://schemas.microsoft.com/office/drawing/2014/main" xmlns="" id="{79594384-5734-4FC8-928A-E1641354A126}"/>
+                <a16:creationId xmlns:a16="http://schemas.microsoft.com/office/drawing/2014/main" id="{79594384-5734-4FC8-928A-E1641354A126}"/>
               </a:ext>
             </a:extLst>
           </p:cNvPr>
@@ -2339,7 +2374,7 @@
                 </a:solidFill>
               </a:rPr>
               <a:pPr/>
-              <a:t>2021-04-19</a:t>
+              <a:t>2021-04-20</a:t>
             </a:fld>
             <a:endParaRPr lang="ko-KR" altLang="en-US">
               <a:solidFill>
@@ -2356,7 +2391,7 @@
           <p:cNvPr id="6" name="바닥글 개체 틀 5">
             <a:extLst>
               <a:ext uri="{FF2B5EF4-FFF2-40B4-BE49-F238E27FC236}">
-                <a16:creationId xmlns:a16="http://schemas.microsoft.com/office/drawing/2014/main" xmlns="" id="{282301C0-6908-48C0-8957-C8B3F4594C5A}"/>
+                <a16:creationId xmlns:a16="http://schemas.microsoft.com/office/drawing/2014/main" id="{282301C0-6908-48C0-8957-C8B3F4594C5A}"/>
               </a:ext>
             </a:extLst>
           </p:cNvPr>
@@ -2387,7 +2422,7 @@
           <p:cNvPr id="7" name="슬라이드 번호 개체 틀 6">
             <a:extLst>
               <a:ext uri="{FF2B5EF4-FFF2-40B4-BE49-F238E27FC236}">
-                <a16:creationId xmlns:a16="http://schemas.microsoft.com/office/drawing/2014/main" xmlns="" id="{507DD8FE-7741-412F-947D-7A7079F48607}"/>
+                <a16:creationId xmlns:a16="http://schemas.microsoft.com/office/drawing/2014/main" id="{507DD8FE-7741-412F-947D-7A7079F48607}"/>
               </a:ext>
             </a:extLst>
           </p:cNvPr>
@@ -2459,7 +2494,7 @@
           <p:cNvPr id="2" name="제목 1">
             <a:extLst>
               <a:ext uri="{FF2B5EF4-FFF2-40B4-BE49-F238E27FC236}">
-                <a16:creationId xmlns:a16="http://schemas.microsoft.com/office/drawing/2014/main" xmlns="" id="{BBD6DFD1-B640-4CC6-A759-6C7981C5CD61}"/>
+                <a16:creationId xmlns:a16="http://schemas.microsoft.com/office/drawing/2014/main" id="{BBD6DFD1-B640-4CC6-A759-6C7981C5CD61}"/>
               </a:ext>
             </a:extLst>
           </p:cNvPr>
@@ -2492,7 +2527,7 @@
           <p:cNvPr id="3" name="텍스트 개체 틀 2">
             <a:extLst>
               <a:ext uri="{FF2B5EF4-FFF2-40B4-BE49-F238E27FC236}">
-                <a16:creationId xmlns:a16="http://schemas.microsoft.com/office/drawing/2014/main" xmlns="" id="{25B2A237-7572-46BD-9502-829F6C0AD4F8}"/>
+                <a16:creationId xmlns:a16="http://schemas.microsoft.com/office/drawing/2014/main" id="{25B2A237-7572-46BD-9502-829F6C0AD4F8}"/>
               </a:ext>
             </a:extLst>
           </p:cNvPr>
@@ -2563,7 +2598,7 @@
           <p:cNvPr id="4" name="내용 개체 틀 3">
             <a:extLst>
               <a:ext uri="{FF2B5EF4-FFF2-40B4-BE49-F238E27FC236}">
-                <a16:creationId xmlns:a16="http://schemas.microsoft.com/office/drawing/2014/main" xmlns="" id="{81AE9732-B570-4506-BDA6-0AB39D453684}"/>
+                <a16:creationId xmlns:a16="http://schemas.microsoft.com/office/drawing/2014/main" id="{81AE9732-B570-4506-BDA6-0AB39D453684}"/>
               </a:ext>
             </a:extLst>
           </p:cNvPr>
@@ -2625,7 +2660,7 @@
           <p:cNvPr id="5" name="텍스트 개체 틀 4">
             <a:extLst>
               <a:ext uri="{FF2B5EF4-FFF2-40B4-BE49-F238E27FC236}">
-                <a16:creationId xmlns:a16="http://schemas.microsoft.com/office/drawing/2014/main" xmlns="" id="{A289407D-7DA6-4293-A426-38DF9B21160E}"/>
+                <a16:creationId xmlns:a16="http://schemas.microsoft.com/office/drawing/2014/main" id="{A289407D-7DA6-4293-A426-38DF9B21160E}"/>
               </a:ext>
             </a:extLst>
           </p:cNvPr>
@@ -2696,7 +2731,7 @@
           <p:cNvPr id="6" name="내용 개체 틀 5">
             <a:extLst>
               <a:ext uri="{FF2B5EF4-FFF2-40B4-BE49-F238E27FC236}">
-                <a16:creationId xmlns:a16="http://schemas.microsoft.com/office/drawing/2014/main" xmlns="" id="{F239549F-370A-4671-B1BB-79655CC6CB8C}"/>
+                <a16:creationId xmlns:a16="http://schemas.microsoft.com/office/drawing/2014/main" id="{F239549F-370A-4671-B1BB-79655CC6CB8C}"/>
               </a:ext>
             </a:extLst>
           </p:cNvPr>
@@ -2758,7 +2793,7 @@
           <p:cNvPr id="7" name="날짜 개체 틀 6">
             <a:extLst>
               <a:ext uri="{FF2B5EF4-FFF2-40B4-BE49-F238E27FC236}">
-                <a16:creationId xmlns:a16="http://schemas.microsoft.com/office/drawing/2014/main" xmlns="" id="{A86D9E62-97AA-41F8-B69B-6CD691CF0E2A}"/>
+                <a16:creationId xmlns:a16="http://schemas.microsoft.com/office/drawing/2014/main" id="{A86D9E62-97AA-41F8-B69B-6CD691CF0E2A}"/>
               </a:ext>
             </a:extLst>
           </p:cNvPr>
@@ -2783,7 +2818,7 @@
                 </a:solidFill>
               </a:rPr>
               <a:pPr/>
-              <a:t>2021-04-19</a:t>
+              <a:t>2021-04-20</a:t>
             </a:fld>
             <a:endParaRPr lang="ko-KR" altLang="en-US">
               <a:solidFill>
@@ -2800,7 +2835,7 @@
           <p:cNvPr id="8" name="바닥글 개체 틀 7">
             <a:extLst>
               <a:ext uri="{FF2B5EF4-FFF2-40B4-BE49-F238E27FC236}">
-                <a16:creationId xmlns:a16="http://schemas.microsoft.com/office/drawing/2014/main" xmlns="" id="{F41D3FC0-561B-4DE4-AA99-9DB56EC6B344}"/>
+                <a16:creationId xmlns:a16="http://schemas.microsoft.com/office/drawing/2014/main" id="{F41D3FC0-561B-4DE4-AA99-9DB56EC6B344}"/>
               </a:ext>
             </a:extLst>
           </p:cNvPr>
@@ -2831,7 +2866,7 @@
           <p:cNvPr id="9" name="슬라이드 번호 개체 틀 8">
             <a:extLst>
               <a:ext uri="{FF2B5EF4-FFF2-40B4-BE49-F238E27FC236}">
-                <a16:creationId xmlns:a16="http://schemas.microsoft.com/office/drawing/2014/main" xmlns="" id="{AD0040F2-99C5-450C-9966-5D00290EBF69}"/>
+                <a16:creationId xmlns:a16="http://schemas.microsoft.com/office/drawing/2014/main" id="{AD0040F2-99C5-450C-9966-5D00290EBF69}"/>
               </a:ext>
             </a:extLst>
           </p:cNvPr>
@@ -2903,7 +2938,7 @@
           <p:cNvPr id="2" name="제목 1">
             <a:extLst>
               <a:ext uri="{FF2B5EF4-FFF2-40B4-BE49-F238E27FC236}">
-                <a16:creationId xmlns:a16="http://schemas.microsoft.com/office/drawing/2014/main" xmlns="" id="{C6E337C1-8281-4F6E-9A31-EBE388C3C82F}"/>
+                <a16:creationId xmlns:a16="http://schemas.microsoft.com/office/drawing/2014/main" id="{C6E337C1-8281-4F6E-9A31-EBE388C3C82F}"/>
               </a:ext>
             </a:extLst>
           </p:cNvPr>
@@ -2931,7 +2966,7 @@
           <p:cNvPr id="3" name="날짜 개체 틀 2">
             <a:extLst>
               <a:ext uri="{FF2B5EF4-FFF2-40B4-BE49-F238E27FC236}">
-                <a16:creationId xmlns:a16="http://schemas.microsoft.com/office/drawing/2014/main" xmlns="" id="{00EA4B32-9135-4223-8DE6-887D2743405B}"/>
+                <a16:creationId xmlns:a16="http://schemas.microsoft.com/office/drawing/2014/main" id="{00EA4B32-9135-4223-8DE6-887D2743405B}"/>
               </a:ext>
             </a:extLst>
           </p:cNvPr>
@@ -2956,7 +2991,7 @@
                 </a:solidFill>
               </a:rPr>
               <a:pPr/>
-              <a:t>2021-04-19</a:t>
+              <a:t>2021-04-20</a:t>
             </a:fld>
             <a:endParaRPr lang="ko-KR" altLang="en-US">
               <a:solidFill>
@@ -2973,7 +3008,7 @@
           <p:cNvPr id="4" name="바닥글 개체 틀 3">
             <a:extLst>
               <a:ext uri="{FF2B5EF4-FFF2-40B4-BE49-F238E27FC236}">
-                <a16:creationId xmlns:a16="http://schemas.microsoft.com/office/drawing/2014/main" xmlns="" id="{9407FC83-8D70-48DB-8681-08CFD9C0DA58}"/>
+                <a16:creationId xmlns:a16="http://schemas.microsoft.com/office/drawing/2014/main" id="{9407FC83-8D70-48DB-8681-08CFD9C0DA58}"/>
               </a:ext>
             </a:extLst>
           </p:cNvPr>
@@ -3004,7 +3039,7 @@
           <p:cNvPr id="5" name="슬라이드 번호 개체 틀 4">
             <a:extLst>
               <a:ext uri="{FF2B5EF4-FFF2-40B4-BE49-F238E27FC236}">
-                <a16:creationId xmlns:a16="http://schemas.microsoft.com/office/drawing/2014/main" xmlns="" id="{A8FC15EC-BCCB-4B82-A94C-FABC63DF674F}"/>
+                <a16:creationId xmlns:a16="http://schemas.microsoft.com/office/drawing/2014/main" id="{A8FC15EC-BCCB-4B82-A94C-FABC63DF674F}"/>
               </a:ext>
             </a:extLst>
           </p:cNvPr>
@@ -3083,7 +3118,7 @@
           <p:cNvPr id="2" name="날짜 개체 틀 1">
             <a:extLst>
               <a:ext uri="{FF2B5EF4-FFF2-40B4-BE49-F238E27FC236}">
-                <a16:creationId xmlns:a16="http://schemas.microsoft.com/office/drawing/2014/main" xmlns="" id="{2B9F9692-5462-4439-80C8-B7E337FC9AC3}"/>
+                <a16:creationId xmlns:a16="http://schemas.microsoft.com/office/drawing/2014/main" id="{2B9F9692-5462-4439-80C8-B7E337FC9AC3}"/>
               </a:ext>
             </a:extLst>
           </p:cNvPr>
@@ -3108,7 +3143,7 @@
                 </a:solidFill>
               </a:rPr>
               <a:pPr/>
-              <a:t>2021-04-19</a:t>
+              <a:t>2021-04-20</a:t>
             </a:fld>
             <a:endParaRPr lang="ko-KR" altLang="en-US">
               <a:solidFill>
@@ -3125,7 +3160,7 @@
           <p:cNvPr id="3" name="바닥글 개체 틀 2">
             <a:extLst>
               <a:ext uri="{FF2B5EF4-FFF2-40B4-BE49-F238E27FC236}">
-                <a16:creationId xmlns:a16="http://schemas.microsoft.com/office/drawing/2014/main" xmlns="" id="{94CA042D-EBC0-437C-A819-521611A545F2}"/>
+                <a16:creationId xmlns:a16="http://schemas.microsoft.com/office/drawing/2014/main" id="{94CA042D-EBC0-437C-A819-521611A545F2}"/>
               </a:ext>
             </a:extLst>
           </p:cNvPr>
@@ -3156,7 +3191,7 @@
           <p:cNvPr id="4" name="슬라이드 번호 개체 틀 3">
             <a:extLst>
               <a:ext uri="{FF2B5EF4-FFF2-40B4-BE49-F238E27FC236}">
-                <a16:creationId xmlns:a16="http://schemas.microsoft.com/office/drawing/2014/main" xmlns="" id="{A2415CDA-0D1F-49BD-8381-21C3BEFD5A98}"/>
+                <a16:creationId xmlns:a16="http://schemas.microsoft.com/office/drawing/2014/main" id="{A2415CDA-0D1F-49BD-8381-21C3BEFD5A98}"/>
               </a:ext>
             </a:extLst>
           </p:cNvPr>
@@ -3228,7 +3263,7 @@
           <p:cNvPr id="2" name="제목 1">
             <a:extLst>
               <a:ext uri="{FF2B5EF4-FFF2-40B4-BE49-F238E27FC236}">
-                <a16:creationId xmlns:a16="http://schemas.microsoft.com/office/drawing/2014/main" xmlns="" id="{2A6F10D4-8D29-48C2-ADF0-92316E2C8E4E}"/>
+                <a16:creationId xmlns:a16="http://schemas.microsoft.com/office/drawing/2014/main" id="{2A6F10D4-8D29-48C2-ADF0-92316E2C8E4E}"/>
               </a:ext>
             </a:extLst>
           </p:cNvPr>
@@ -3265,7 +3300,7 @@
           <p:cNvPr id="3" name="내용 개체 틀 2">
             <a:extLst>
               <a:ext uri="{FF2B5EF4-FFF2-40B4-BE49-F238E27FC236}">
-                <a16:creationId xmlns:a16="http://schemas.microsoft.com/office/drawing/2014/main" xmlns="" id="{BBBA3CD3-DE79-4260-873A-FEDE5C678F80}"/>
+                <a16:creationId xmlns:a16="http://schemas.microsoft.com/office/drawing/2014/main" id="{BBBA3CD3-DE79-4260-873A-FEDE5C678F80}"/>
               </a:ext>
             </a:extLst>
           </p:cNvPr>
@@ -3355,7 +3390,7 @@
           <p:cNvPr id="4" name="텍스트 개체 틀 3">
             <a:extLst>
               <a:ext uri="{FF2B5EF4-FFF2-40B4-BE49-F238E27FC236}">
-                <a16:creationId xmlns:a16="http://schemas.microsoft.com/office/drawing/2014/main" xmlns="" id="{319C6BD2-52A1-4155-9D55-1D847772EA8C}"/>
+                <a16:creationId xmlns:a16="http://schemas.microsoft.com/office/drawing/2014/main" id="{319C6BD2-52A1-4155-9D55-1D847772EA8C}"/>
               </a:ext>
             </a:extLst>
           </p:cNvPr>
@@ -3426,7 +3461,7 @@
           <p:cNvPr id="5" name="날짜 개체 틀 4">
             <a:extLst>
               <a:ext uri="{FF2B5EF4-FFF2-40B4-BE49-F238E27FC236}">
-                <a16:creationId xmlns:a16="http://schemas.microsoft.com/office/drawing/2014/main" xmlns="" id="{982A3511-0B13-4D97-937C-07365FBADAEA}"/>
+                <a16:creationId xmlns:a16="http://schemas.microsoft.com/office/drawing/2014/main" id="{982A3511-0B13-4D97-937C-07365FBADAEA}"/>
               </a:ext>
             </a:extLst>
           </p:cNvPr>
@@ -3451,7 +3486,7 @@
                 </a:solidFill>
               </a:rPr>
               <a:pPr/>
-              <a:t>2021-04-19</a:t>
+              <a:t>2021-04-20</a:t>
             </a:fld>
             <a:endParaRPr lang="ko-KR" altLang="en-US">
               <a:solidFill>
@@ -3468,7 +3503,7 @@
           <p:cNvPr id="6" name="바닥글 개체 틀 5">
             <a:extLst>
               <a:ext uri="{FF2B5EF4-FFF2-40B4-BE49-F238E27FC236}">
-                <a16:creationId xmlns:a16="http://schemas.microsoft.com/office/drawing/2014/main" xmlns="" id="{54C805B4-20AF-4A3C-B131-E1D9FFBB024D}"/>
+                <a16:creationId xmlns:a16="http://schemas.microsoft.com/office/drawing/2014/main" id="{54C805B4-20AF-4A3C-B131-E1D9FFBB024D}"/>
               </a:ext>
             </a:extLst>
           </p:cNvPr>
@@ -3499,7 +3534,7 @@
           <p:cNvPr id="7" name="슬라이드 번호 개체 틀 6">
             <a:extLst>
               <a:ext uri="{FF2B5EF4-FFF2-40B4-BE49-F238E27FC236}">
-                <a16:creationId xmlns:a16="http://schemas.microsoft.com/office/drawing/2014/main" xmlns="" id="{89C705FC-2895-472A-B6FD-C2434624BB3B}"/>
+                <a16:creationId xmlns:a16="http://schemas.microsoft.com/office/drawing/2014/main" id="{89C705FC-2895-472A-B6FD-C2434624BB3B}"/>
               </a:ext>
             </a:extLst>
           </p:cNvPr>
@@ -3571,7 +3606,7 @@
           <p:cNvPr id="2" name="제목 1">
             <a:extLst>
               <a:ext uri="{FF2B5EF4-FFF2-40B4-BE49-F238E27FC236}">
-                <a16:creationId xmlns:a16="http://schemas.microsoft.com/office/drawing/2014/main" xmlns="" id="{4C00D820-915B-4802-8C2E-FF7CA967E012}"/>
+                <a16:creationId xmlns:a16="http://schemas.microsoft.com/office/drawing/2014/main" id="{4C00D820-915B-4802-8C2E-FF7CA967E012}"/>
               </a:ext>
             </a:extLst>
           </p:cNvPr>
@@ -3608,7 +3643,7 @@
           <p:cNvPr id="3" name="그림 개체 틀 2">
             <a:extLst>
               <a:ext uri="{FF2B5EF4-FFF2-40B4-BE49-F238E27FC236}">
-                <a16:creationId xmlns:a16="http://schemas.microsoft.com/office/drawing/2014/main" xmlns="" id="{10CF9849-20D0-417A-99C8-099DF39939AC}"/>
+                <a16:creationId xmlns:a16="http://schemas.microsoft.com/office/drawing/2014/main" id="{10CF9849-20D0-417A-99C8-099DF39939AC}"/>
               </a:ext>
             </a:extLst>
           </p:cNvPr>
@@ -3675,7 +3710,7 @@
           <p:cNvPr id="4" name="텍스트 개체 틀 3">
             <a:extLst>
               <a:ext uri="{FF2B5EF4-FFF2-40B4-BE49-F238E27FC236}">
-                <a16:creationId xmlns:a16="http://schemas.microsoft.com/office/drawing/2014/main" xmlns="" id="{144A7754-54E7-4123-8C5E-1B05B517B5D4}"/>
+                <a16:creationId xmlns:a16="http://schemas.microsoft.com/office/drawing/2014/main" id="{144A7754-54E7-4123-8C5E-1B05B517B5D4}"/>
               </a:ext>
             </a:extLst>
           </p:cNvPr>
@@ -3746,7 +3781,7 @@
           <p:cNvPr id="5" name="날짜 개체 틀 4">
             <a:extLst>
               <a:ext uri="{FF2B5EF4-FFF2-40B4-BE49-F238E27FC236}">
-                <a16:creationId xmlns:a16="http://schemas.microsoft.com/office/drawing/2014/main" xmlns="" id="{3AFFF3F1-9632-4E06-BAB7-312343416AE9}"/>
+                <a16:creationId xmlns:a16="http://schemas.microsoft.com/office/drawing/2014/main" id="{3AFFF3F1-9632-4E06-BAB7-312343416AE9}"/>
               </a:ext>
             </a:extLst>
           </p:cNvPr>
@@ -3771,7 +3806,7 @@
                 </a:solidFill>
               </a:rPr>
               <a:pPr/>
-              <a:t>2021-04-19</a:t>
+              <a:t>2021-04-20</a:t>
             </a:fld>
             <a:endParaRPr lang="ko-KR" altLang="en-US">
               <a:solidFill>
@@ -3788,7 +3823,7 @@
           <p:cNvPr id="6" name="바닥글 개체 틀 5">
             <a:extLst>
               <a:ext uri="{FF2B5EF4-FFF2-40B4-BE49-F238E27FC236}">
-                <a16:creationId xmlns:a16="http://schemas.microsoft.com/office/drawing/2014/main" xmlns="" id="{5F23D6B1-934F-4B4D-9E4F-5AE9E873CB6E}"/>
+                <a16:creationId xmlns:a16="http://schemas.microsoft.com/office/drawing/2014/main" id="{5F23D6B1-934F-4B4D-9E4F-5AE9E873CB6E}"/>
               </a:ext>
             </a:extLst>
           </p:cNvPr>
@@ -3819,7 +3854,7 @@
           <p:cNvPr id="7" name="슬라이드 번호 개체 틀 6">
             <a:extLst>
               <a:ext uri="{FF2B5EF4-FFF2-40B4-BE49-F238E27FC236}">
-                <a16:creationId xmlns:a16="http://schemas.microsoft.com/office/drawing/2014/main" xmlns="" id="{B157FDD5-2092-4E16-8E7C-1CCA4719CF8A}"/>
+                <a16:creationId xmlns:a16="http://schemas.microsoft.com/office/drawing/2014/main" id="{B157FDD5-2092-4E16-8E7C-1CCA4719CF8A}"/>
               </a:ext>
             </a:extLst>
           </p:cNvPr>
@@ -3896,7 +3931,7 @@
           <p:cNvPr id="2" name="제목 개체 틀 1">
             <a:extLst>
               <a:ext uri="{FF2B5EF4-FFF2-40B4-BE49-F238E27FC236}">
-                <a16:creationId xmlns:a16="http://schemas.microsoft.com/office/drawing/2014/main" xmlns="" id="{84C8B562-0886-4274-876D-59EFAAAE2F3B}"/>
+                <a16:creationId xmlns:a16="http://schemas.microsoft.com/office/drawing/2014/main" id="{84C8B562-0886-4274-876D-59EFAAAE2F3B}"/>
               </a:ext>
             </a:extLst>
           </p:cNvPr>
@@ -3934,7 +3969,7 @@
           <p:cNvPr id="3" name="텍스트 개체 틀 2">
             <a:extLst>
               <a:ext uri="{FF2B5EF4-FFF2-40B4-BE49-F238E27FC236}">
-                <a16:creationId xmlns:a16="http://schemas.microsoft.com/office/drawing/2014/main" xmlns="" id="{61799B9E-1CD2-4A09-9ACC-2FA1C62D7AF6}"/>
+                <a16:creationId xmlns:a16="http://schemas.microsoft.com/office/drawing/2014/main" id="{61799B9E-1CD2-4A09-9ACC-2FA1C62D7AF6}"/>
               </a:ext>
             </a:extLst>
           </p:cNvPr>
@@ -4001,7 +4036,7 @@
           <p:cNvPr id="4" name="날짜 개체 틀 3">
             <a:extLst>
               <a:ext uri="{FF2B5EF4-FFF2-40B4-BE49-F238E27FC236}">
-                <a16:creationId xmlns:a16="http://schemas.microsoft.com/office/drawing/2014/main" xmlns="" id="{42A0C5B4-9399-4A5E-8DEE-54436B1EC85C}"/>
+                <a16:creationId xmlns:a16="http://schemas.microsoft.com/office/drawing/2014/main" id="{42A0C5B4-9399-4A5E-8DEE-54436B1EC85C}"/>
               </a:ext>
             </a:extLst>
           </p:cNvPr>
@@ -4044,7 +4079,7 @@
                 </a:solidFill>
               </a:rPr>
               <a:pPr/>
-              <a:t>2021-04-19</a:t>
+              <a:t>2021-04-20</a:t>
             </a:fld>
             <a:endParaRPr lang="ko-KR" altLang="en-US">
               <a:solidFill>
@@ -4061,7 +4096,7 @@
           <p:cNvPr id="5" name="바닥글 개체 틀 4">
             <a:extLst>
               <a:ext uri="{FF2B5EF4-FFF2-40B4-BE49-F238E27FC236}">
-                <a16:creationId xmlns:a16="http://schemas.microsoft.com/office/drawing/2014/main" xmlns="" id="{F5B2B9FF-C0C5-4E9E-A76A-AF0745E2D88E}"/>
+                <a16:creationId xmlns:a16="http://schemas.microsoft.com/office/drawing/2014/main" id="{F5B2B9FF-C0C5-4E9E-A76A-AF0745E2D88E}"/>
               </a:ext>
             </a:extLst>
           </p:cNvPr>
@@ -4110,7 +4145,7 @@
           <p:cNvPr id="6" name="슬라이드 번호 개체 틀 5">
             <a:extLst>
               <a:ext uri="{FF2B5EF4-FFF2-40B4-BE49-F238E27FC236}">
-                <a16:creationId xmlns:a16="http://schemas.microsoft.com/office/drawing/2014/main" xmlns="" id="{E8992FE0-2D01-4365-9F95-1FF838BCEF3A}"/>
+                <a16:creationId xmlns:a16="http://schemas.microsoft.com/office/drawing/2014/main" id="{E8992FE0-2D01-4365-9F95-1FF838BCEF3A}"/>
               </a:ext>
             </a:extLst>
           </p:cNvPr>
@@ -4499,7 +4534,7 @@
           <p:cNvPr id="6" name="직사각형 5">
             <a:extLst>
               <a:ext uri="{FF2B5EF4-FFF2-40B4-BE49-F238E27FC236}">
-                <a16:creationId xmlns:a16="http://schemas.microsoft.com/office/drawing/2014/main" xmlns="" id="{93E1D564-D2EE-49D4-AF4D-8E4E1842A7DC}"/>
+                <a16:creationId xmlns:a16="http://schemas.microsoft.com/office/drawing/2014/main" id="{93E1D564-D2EE-49D4-AF4D-8E4E1842A7DC}"/>
               </a:ext>
             </a:extLst>
           </p:cNvPr>
@@ -4645,7 +4680,7 @@
             <p:cNvPr id="9" name="직각 삼각형 8">
               <a:extLst>
                 <a:ext uri="{FF2B5EF4-FFF2-40B4-BE49-F238E27FC236}">
-                  <a16:creationId xmlns:a16="http://schemas.microsoft.com/office/drawing/2014/main" xmlns="" id="{6CA9FC8F-94CE-40E9-9CF0-EB8C85E1615C}"/>
+                  <a16:creationId xmlns:a16="http://schemas.microsoft.com/office/drawing/2014/main" id="{6CA9FC8F-94CE-40E9-9CF0-EB8C85E1615C}"/>
                 </a:ext>
               </a:extLst>
             </p:cNvPr>
@@ -4703,7 +4738,7 @@
             <p:cNvPr id="10" name="평행 사변형 9">
               <a:extLst>
                 <a:ext uri="{FF2B5EF4-FFF2-40B4-BE49-F238E27FC236}">
-                  <a16:creationId xmlns:a16="http://schemas.microsoft.com/office/drawing/2014/main" xmlns="" id="{444269DF-C2DC-4044-B0FC-CC9F3A2AFF9D}"/>
+                  <a16:creationId xmlns:a16="http://schemas.microsoft.com/office/drawing/2014/main" id="{444269DF-C2DC-4044-B0FC-CC9F3A2AFF9D}"/>
                 </a:ext>
               </a:extLst>
             </p:cNvPr>
@@ -4763,7 +4798,7 @@
             <p:cNvPr id="11" name="평행 사변형 10">
               <a:extLst>
                 <a:ext uri="{FF2B5EF4-FFF2-40B4-BE49-F238E27FC236}">
-                  <a16:creationId xmlns:a16="http://schemas.microsoft.com/office/drawing/2014/main" xmlns="" id="{33586FAE-863D-4C94-A015-5A87A5EACD02}"/>
+                  <a16:creationId xmlns:a16="http://schemas.microsoft.com/office/drawing/2014/main" id="{33586FAE-863D-4C94-A015-5A87A5EACD02}"/>
                 </a:ext>
               </a:extLst>
             </p:cNvPr>
@@ -4824,7 +4859,7 @@
           <p:cNvPr id="17" name="직사각형 16">
             <a:extLst>
               <a:ext uri="{FF2B5EF4-FFF2-40B4-BE49-F238E27FC236}">
-                <a16:creationId xmlns:a16="http://schemas.microsoft.com/office/drawing/2014/main" xmlns="" id="{93E1D564-D2EE-49D4-AF4D-8E4E1842A7DC}"/>
+                <a16:creationId xmlns:a16="http://schemas.microsoft.com/office/drawing/2014/main" id="{93E1D564-D2EE-49D4-AF4D-8E4E1842A7DC}"/>
               </a:ext>
             </a:extLst>
           </p:cNvPr>
@@ -4882,7 +4917,7 @@
           <p:cNvPr id="8" name="TextBox 7">
             <a:extLst>
               <a:ext uri="{FF2B5EF4-FFF2-40B4-BE49-F238E27FC236}">
-                <a16:creationId xmlns:a16="http://schemas.microsoft.com/office/drawing/2014/main" xmlns="" id="{190E7379-ECBC-4781-8839-BA13B79D8E4F}"/>
+                <a16:creationId xmlns:a16="http://schemas.microsoft.com/office/drawing/2014/main" id="{190E7379-ECBC-4781-8839-BA13B79D8E4F}"/>
               </a:ext>
             </a:extLst>
           </p:cNvPr>
@@ -5045,7 +5080,7 @@
           <p:cNvPr id="7" name="직사각형 6">
             <a:extLst>
               <a:ext uri="{FF2B5EF4-FFF2-40B4-BE49-F238E27FC236}">
-                <a16:creationId xmlns:a16="http://schemas.microsoft.com/office/drawing/2014/main" xmlns="" id="{F2AA9109-B962-4872-92E4-F512F5D992C5}"/>
+                <a16:creationId xmlns:a16="http://schemas.microsoft.com/office/drawing/2014/main" id="{F2AA9109-B962-4872-92E4-F512F5D992C5}"/>
               </a:ext>
             </a:extLst>
           </p:cNvPr>
@@ -5119,7 +5154,7 @@
           <p:cNvPr id="9" name="직각 삼각형 8">
             <a:extLst>
               <a:ext uri="{FF2B5EF4-FFF2-40B4-BE49-F238E27FC236}">
-                <a16:creationId xmlns:a16="http://schemas.microsoft.com/office/drawing/2014/main" xmlns="" id="{6CA9FC8F-94CE-40E9-9CF0-EB8C85E1615C}"/>
+                <a16:creationId xmlns:a16="http://schemas.microsoft.com/office/drawing/2014/main" id="{6CA9FC8F-94CE-40E9-9CF0-EB8C85E1615C}"/>
               </a:ext>
             </a:extLst>
           </p:cNvPr>
@@ -5177,7 +5212,7 @@
           <p:cNvPr id="10" name="평행 사변형 9">
             <a:extLst>
               <a:ext uri="{FF2B5EF4-FFF2-40B4-BE49-F238E27FC236}">
-                <a16:creationId xmlns:a16="http://schemas.microsoft.com/office/drawing/2014/main" xmlns="" id="{444269DF-C2DC-4044-B0FC-CC9F3A2AFF9D}"/>
+                <a16:creationId xmlns:a16="http://schemas.microsoft.com/office/drawing/2014/main" id="{444269DF-C2DC-4044-B0FC-CC9F3A2AFF9D}"/>
               </a:ext>
             </a:extLst>
           </p:cNvPr>
@@ -5237,7 +5272,7 @@
           <p:cNvPr id="11" name="평행 사변형 10">
             <a:extLst>
               <a:ext uri="{FF2B5EF4-FFF2-40B4-BE49-F238E27FC236}">
-                <a16:creationId xmlns:a16="http://schemas.microsoft.com/office/drawing/2014/main" xmlns="" id="{33586FAE-863D-4C94-A015-5A87A5EACD02}"/>
+                <a16:creationId xmlns:a16="http://schemas.microsoft.com/office/drawing/2014/main" id="{33586FAE-863D-4C94-A015-5A87A5EACD02}"/>
               </a:ext>
             </a:extLst>
           </p:cNvPr>
@@ -33361,7 +33396,7 @@
           <p:cNvPr id="149" name="직사각형 148">
             <a:extLst>
               <a:ext uri="{FF2B5EF4-FFF2-40B4-BE49-F238E27FC236}">
-                <a16:creationId xmlns:a16="http://schemas.microsoft.com/office/drawing/2014/main" xmlns="" id="{93E1D564-D2EE-49D4-AF4D-8E4E1842A7DC}"/>
+                <a16:creationId xmlns:a16="http://schemas.microsoft.com/office/drawing/2014/main" id="{93E1D564-D2EE-49D4-AF4D-8E4E1842A7DC}"/>
               </a:ext>
             </a:extLst>
           </p:cNvPr>
@@ -33533,7 +33568,7 @@
           <p:cNvPr id="7" name="직사각형 6">
             <a:extLst>
               <a:ext uri="{FF2B5EF4-FFF2-40B4-BE49-F238E27FC236}">
-                <a16:creationId xmlns:a16="http://schemas.microsoft.com/office/drawing/2014/main" xmlns="" id="{F2AA9109-B962-4872-92E4-F512F5D992C5}"/>
+                <a16:creationId xmlns:a16="http://schemas.microsoft.com/office/drawing/2014/main" id="{F2AA9109-B962-4872-92E4-F512F5D992C5}"/>
               </a:ext>
             </a:extLst>
           </p:cNvPr>
@@ -33607,7 +33642,7 @@
           <p:cNvPr id="8" name="직사각형 7">
             <a:extLst>
               <a:ext uri="{FF2B5EF4-FFF2-40B4-BE49-F238E27FC236}">
-                <a16:creationId xmlns:a16="http://schemas.microsoft.com/office/drawing/2014/main" xmlns="" id="{93E1D564-D2EE-49D4-AF4D-8E4E1842A7DC}"/>
+                <a16:creationId xmlns:a16="http://schemas.microsoft.com/office/drawing/2014/main" id="{93E1D564-D2EE-49D4-AF4D-8E4E1842A7DC}"/>
               </a:ext>
             </a:extLst>
           </p:cNvPr>
@@ -33720,7 +33755,7 @@
           <p:cNvPr id="6" name="직사각형 5">
             <a:extLst>
               <a:ext uri="{FF2B5EF4-FFF2-40B4-BE49-F238E27FC236}">
-                <a16:creationId xmlns:a16="http://schemas.microsoft.com/office/drawing/2014/main" xmlns="" id="{93E1D564-D2EE-49D4-AF4D-8E4E1842A7DC}"/>
+                <a16:creationId xmlns:a16="http://schemas.microsoft.com/office/drawing/2014/main" id="{93E1D564-D2EE-49D4-AF4D-8E4E1842A7DC}"/>
               </a:ext>
             </a:extLst>
           </p:cNvPr>
@@ -33796,7 +33831,7 @@
           <p:cNvPr id="7" name="직사각형 6">
             <a:extLst>
               <a:ext uri="{FF2B5EF4-FFF2-40B4-BE49-F238E27FC236}">
-                <a16:creationId xmlns:a16="http://schemas.microsoft.com/office/drawing/2014/main" xmlns="" id="{F2AA9109-B962-4872-92E4-F512F5D992C5}"/>
+                <a16:creationId xmlns:a16="http://schemas.microsoft.com/office/drawing/2014/main" id="{F2AA9109-B962-4872-92E4-F512F5D992C5}"/>
               </a:ext>
             </a:extLst>
           </p:cNvPr>
@@ -33862,7 +33897,7 @@
           <p:cNvPr id="9" name="직각 삼각형 8">
             <a:extLst>
               <a:ext uri="{FF2B5EF4-FFF2-40B4-BE49-F238E27FC236}">
-                <a16:creationId xmlns:a16="http://schemas.microsoft.com/office/drawing/2014/main" xmlns="" id="{6CA9FC8F-94CE-40E9-9CF0-EB8C85E1615C}"/>
+                <a16:creationId xmlns:a16="http://schemas.microsoft.com/office/drawing/2014/main" id="{6CA9FC8F-94CE-40E9-9CF0-EB8C85E1615C}"/>
               </a:ext>
             </a:extLst>
           </p:cNvPr>
@@ -33920,7 +33955,7 @@
           <p:cNvPr id="10" name="평행 사변형 9">
             <a:extLst>
               <a:ext uri="{FF2B5EF4-FFF2-40B4-BE49-F238E27FC236}">
-                <a16:creationId xmlns:a16="http://schemas.microsoft.com/office/drawing/2014/main" xmlns="" id="{444269DF-C2DC-4044-B0FC-CC9F3A2AFF9D}"/>
+                <a16:creationId xmlns:a16="http://schemas.microsoft.com/office/drawing/2014/main" id="{444269DF-C2DC-4044-B0FC-CC9F3A2AFF9D}"/>
               </a:ext>
             </a:extLst>
           </p:cNvPr>
@@ -33980,7 +34015,7 @@
           <p:cNvPr id="11" name="평행 사변형 10">
             <a:extLst>
               <a:ext uri="{FF2B5EF4-FFF2-40B4-BE49-F238E27FC236}">
-                <a16:creationId xmlns:a16="http://schemas.microsoft.com/office/drawing/2014/main" xmlns="" id="{33586FAE-863D-4C94-A015-5A87A5EACD02}"/>
+                <a16:creationId xmlns:a16="http://schemas.microsoft.com/office/drawing/2014/main" id="{33586FAE-863D-4C94-A015-5A87A5EACD02}"/>
               </a:ext>
             </a:extLst>
           </p:cNvPr>
@@ -35266,7 +35301,7 @@
           <p:cNvPr id="7" name="직사각형 6">
             <a:extLst>
               <a:ext uri="{FF2B5EF4-FFF2-40B4-BE49-F238E27FC236}">
-                <a16:creationId xmlns:a16="http://schemas.microsoft.com/office/drawing/2014/main" xmlns="" id="{F2AA9109-B962-4872-92E4-F512F5D992C5}"/>
+                <a16:creationId xmlns:a16="http://schemas.microsoft.com/office/drawing/2014/main" id="{F2AA9109-B962-4872-92E4-F512F5D992C5}"/>
               </a:ext>
             </a:extLst>
           </p:cNvPr>
@@ -35340,7 +35375,7 @@
           <p:cNvPr id="9" name="직각 삼각형 8">
             <a:extLst>
               <a:ext uri="{FF2B5EF4-FFF2-40B4-BE49-F238E27FC236}">
-                <a16:creationId xmlns:a16="http://schemas.microsoft.com/office/drawing/2014/main" xmlns="" id="{6CA9FC8F-94CE-40E9-9CF0-EB8C85E1615C}"/>
+                <a16:creationId xmlns:a16="http://schemas.microsoft.com/office/drawing/2014/main" id="{6CA9FC8F-94CE-40E9-9CF0-EB8C85E1615C}"/>
               </a:ext>
             </a:extLst>
           </p:cNvPr>
@@ -35398,7 +35433,7 @@
           <p:cNvPr id="10" name="평행 사변형 9">
             <a:extLst>
               <a:ext uri="{FF2B5EF4-FFF2-40B4-BE49-F238E27FC236}">
-                <a16:creationId xmlns:a16="http://schemas.microsoft.com/office/drawing/2014/main" xmlns="" id="{444269DF-C2DC-4044-B0FC-CC9F3A2AFF9D}"/>
+                <a16:creationId xmlns:a16="http://schemas.microsoft.com/office/drawing/2014/main" id="{444269DF-C2DC-4044-B0FC-CC9F3A2AFF9D}"/>
               </a:ext>
             </a:extLst>
           </p:cNvPr>
@@ -35458,7 +35493,7 @@
           <p:cNvPr id="11" name="평행 사변형 10">
             <a:extLst>
               <a:ext uri="{FF2B5EF4-FFF2-40B4-BE49-F238E27FC236}">
-                <a16:creationId xmlns:a16="http://schemas.microsoft.com/office/drawing/2014/main" xmlns="" id="{33586FAE-863D-4C94-A015-5A87A5EACD02}"/>
+                <a16:creationId xmlns:a16="http://schemas.microsoft.com/office/drawing/2014/main" id="{33586FAE-863D-4C94-A015-5A87A5EACD02}"/>
               </a:ext>
             </a:extLst>
           </p:cNvPr>
@@ -35518,7 +35553,7 @@
           <p:cNvPr id="25" name="직사각형 24">
             <a:extLst>
               <a:ext uri="{FF2B5EF4-FFF2-40B4-BE49-F238E27FC236}">
-                <a16:creationId xmlns:a16="http://schemas.microsoft.com/office/drawing/2014/main" xmlns="" id="{93E1D564-D2EE-49D4-AF4D-8E4E1842A7DC}"/>
+                <a16:creationId xmlns:a16="http://schemas.microsoft.com/office/drawing/2014/main" id="{93E1D564-D2EE-49D4-AF4D-8E4E1842A7DC}"/>
               </a:ext>
             </a:extLst>
           </p:cNvPr>
@@ -36315,7 +36350,7 @@
           <p:cNvPr id="7" name="직사각형 6">
             <a:extLst>
               <a:ext uri="{FF2B5EF4-FFF2-40B4-BE49-F238E27FC236}">
-                <a16:creationId xmlns:a16="http://schemas.microsoft.com/office/drawing/2014/main" xmlns="" id="{F2AA9109-B962-4872-92E4-F512F5D992C5}"/>
+                <a16:creationId xmlns:a16="http://schemas.microsoft.com/office/drawing/2014/main" id="{F2AA9109-B962-4872-92E4-F512F5D992C5}"/>
               </a:ext>
             </a:extLst>
           </p:cNvPr>
@@ -36381,7 +36416,7 @@
           <p:cNvPr id="9" name="직각 삼각형 8">
             <a:extLst>
               <a:ext uri="{FF2B5EF4-FFF2-40B4-BE49-F238E27FC236}">
-                <a16:creationId xmlns:a16="http://schemas.microsoft.com/office/drawing/2014/main" xmlns="" id="{6CA9FC8F-94CE-40E9-9CF0-EB8C85E1615C}"/>
+                <a16:creationId xmlns:a16="http://schemas.microsoft.com/office/drawing/2014/main" id="{6CA9FC8F-94CE-40E9-9CF0-EB8C85E1615C}"/>
               </a:ext>
             </a:extLst>
           </p:cNvPr>
@@ -36439,7 +36474,7 @@
           <p:cNvPr id="10" name="평행 사변형 9">
             <a:extLst>
               <a:ext uri="{FF2B5EF4-FFF2-40B4-BE49-F238E27FC236}">
-                <a16:creationId xmlns:a16="http://schemas.microsoft.com/office/drawing/2014/main" xmlns="" id="{444269DF-C2DC-4044-B0FC-CC9F3A2AFF9D}"/>
+                <a16:creationId xmlns:a16="http://schemas.microsoft.com/office/drawing/2014/main" id="{444269DF-C2DC-4044-B0FC-CC9F3A2AFF9D}"/>
               </a:ext>
             </a:extLst>
           </p:cNvPr>
@@ -36499,7 +36534,7 @@
           <p:cNvPr id="11" name="평행 사변형 10">
             <a:extLst>
               <a:ext uri="{FF2B5EF4-FFF2-40B4-BE49-F238E27FC236}">
-                <a16:creationId xmlns:a16="http://schemas.microsoft.com/office/drawing/2014/main" xmlns="" id="{33586FAE-863D-4C94-A015-5A87A5EACD02}"/>
+                <a16:creationId xmlns:a16="http://schemas.microsoft.com/office/drawing/2014/main" id="{33586FAE-863D-4C94-A015-5A87A5EACD02}"/>
               </a:ext>
             </a:extLst>
           </p:cNvPr>
@@ -36559,7 +36594,7 @@
           <p:cNvPr id="17" name="직사각형 16">
             <a:extLst>
               <a:ext uri="{FF2B5EF4-FFF2-40B4-BE49-F238E27FC236}">
-                <a16:creationId xmlns:a16="http://schemas.microsoft.com/office/drawing/2014/main" xmlns="" id="{93E1D564-D2EE-49D4-AF4D-8E4E1842A7DC}"/>
+                <a16:creationId xmlns:a16="http://schemas.microsoft.com/office/drawing/2014/main" id="{93E1D564-D2EE-49D4-AF4D-8E4E1842A7DC}"/>
               </a:ext>
             </a:extLst>
           </p:cNvPr>
@@ -36686,7 +36721,7 @@
         </p:nvSpPr>
         <p:spPr>
           <a:xfrm>
-            <a:off x="2537254" y="2397211"/>
+            <a:off x="1963676" y="2638281"/>
             <a:ext cx="1524000" cy="1524000"/>
           </a:xfrm>
           <a:prstGeom prst="ellipse">
@@ -36768,7 +36803,7 @@
           <p:cNvPr id="7" name="직사각형 6">
             <a:extLst>
               <a:ext uri="{FF2B5EF4-FFF2-40B4-BE49-F238E27FC236}">
-                <a16:creationId xmlns:a16="http://schemas.microsoft.com/office/drawing/2014/main" xmlns="" id="{F2AA9109-B962-4872-92E4-F512F5D992C5}"/>
+                <a16:creationId xmlns:a16="http://schemas.microsoft.com/office/drawing/2014/main" id="{F2AA9109-B962-4872-92E4-F512F5D992C5}"/>
               </a:ext>
             </a:extLst>
           </p:cNvPr>
@@ -36834,7 +36869,7 @@
           <p:cNvPr id="9" name="직각 삼각형 8">
             <a:extLst>
               <a:ext uri="{FF2B5EF4-FFF2-40B4-BE49-F238E27FC236}">
-                <a16:creationId xmlns:a16="http://schemas.microsoft.com/office/drawing/2014/main" xmlns="" id="{6CA9FC8F-94CE-40E9-9CF0-EB8C85E1615C}"/>
+                <a16:creationId xmlns:a16="http://schemas.microsoft.com/office/drawing/2014/main" id="{6CA9FC8F-94CE-40E9-9CF0-EB8C85E1615C}"/>
               </a:ext>
             </a:extLst>
           </p:cNvPr>
@@ -36892,7 +36927,7 @@
           <p:cNvPr id="10" name="평행 사변형 9">
             <a:extLst>
               <a:ext uri="{FF2B5EF4-FFF2-40B4-BE49-F238E27FC236}">
-                <a16:creationId xmlns:a16="http://schemas.microsoft.com/office/drawing/2014/main" xmlns="" id="{444269DF-C2DC-4044-B0FC-CC9F3A2AFF9D}"/>
+                <a16:creationId xmlns:a16="http://schemas.microsoft.com/office/drawing/2014/main" id="{444269DF-C2DC-4044-B0FC-CC9F3A2AFF9D}"/>
               </a:ext>
             </a:extLst>
           </p:cNvPr>
@@ -36952,7 +36987,7 @@
           <p:cNvPr id="11" name="평행 사변형 10">
             <a:extLst>
               <a:ext uri="{FF2B5EF4-FFF2-40B4-BE49-F238E27FC236}">
-                <a16:creationId xmlns:a16="http://schemas.microsoft.com/office/drawing/2014/main" xmlns="" id="{33586FAE-863D-4C94-A015-5A87A5EACD02}"/>
+                <a16:creationId xmlns:a16="http://schemas.microsoft.com/office/drawing/2014/main" id="{33586FAE-863D-4C94-A015-5A87A5EACD02}"/>
               </a:ext>
             </a:extLst>
           </p:cNvPr>
@@ -37012,7 +37047,7 @@
           <p:cNvPr id="17" name="직사각형 16">
             <a:extLst>
               <a:ext uri="{FF2B5EF4-FFF2-40B4-BE49-F238E27FC236}">
-                <a16:creationId xmlns:a16="http://schemas.microsoft.com/office/drawing/2014/main" xmlns="" id="{93E1D564-D2EE-49D4-AF4D-8E4E1842A7DC}"/>
+                <a16:creationId xmlns:a16="http://schemas.microsoft.com/office/drawing/2014/main" id="{93E1D564-D2EE-49D4-AF4D-8E4E1842A7DC}"/>
               </a:ext>
             </a:extLst>
           </p:cNvPr>
@@ -37263,7 +37298,7 @@
           <p:cNvPr id="7" name="직사각형 6">
             <a:extLst>
               <a:ext uri="{FF2B5EF4-FFF2-40B4-BE49-F238E27FC236}">
-                <a16:creationId xmlns:a16="http://schemas.microsoft.com/office/drawing/2014/main" xmlns="" id="{F2AA9109-B962-4872-92E4-F512F5D992C5}"/>
+                <a16:creationId xmlns:a16="http://schemas.microsoft.com/office/drawing/2014/main" id="{F2AA9109-B962-4872-92E4-F512F5D992C5}"/>
               </a:ext>
             </a:extLst>
           </p:cNvPr>
@@ -37329,7 +37364,7 @@
           <p:cNvPr id="9" name="직각 삼각형 8">
             <a:extLst>
               <a:ext uri="{FF2B5EF4-FFF2-40B4-BE49-F238E27FC236}">
-                <a16:creationId xmlns:a16="http://schemas.microsoft.com/office/drawing/2014/main" xmlns="" id="{6CA9FC8F-94CE-40E9-9CF0-EB8C85E1615C}"/>
+                <a16:creationId xmlns:a16="http://schemas.microsoft.com/office/drawing/2014/main" id="{6CA9FC8F-94CE-40E9-9CF0-EB8C85E1615C}"/>
               </a:ext>
             </a:extLst>
           </p:cNvPr>
@@ -37387,7 +37422,7 @@
           <p:cNvPr id="10" name="평행 사변형 9">
             <a:extLst>
               <a:ext uri="{FF2B5EF4-FFF2-40B4-BE49-F238E27FC236}">
-                <a16:creationId xmlns:a16="http://schemas.microsoft.com/office/drawing/2014/main" xmlns="" id="{444269DF-C2DC-4044-B0FC-CC9F3A2AFF9D}"/>
+                <a16:creationId xmlns:a16="http://schemas.microsoft.com/office/drawing/2014/main" id="{444269DF-C2DC-4044-B0FC-CC9F3A2AFF9D}"/>
               </a:ext>
             </a:extLst>
           </p:cNvPr>
@@ -37447,7 +37482,7 @@
           <p:cNvPr id="11" name="평행 사변형 10">
             <a:extLst>
               <a:ext uri="{FF2B5EF4-FFF2-40B4-BE49-F238E27FC236}">
-                <a16:creationId xmlns:a16="http://schemas.microsoft.com/office/drawing/2014/main" xmlns="" id="{33586FAE-863D-4C94-A015-5A87A5EACD02}"/>
+                <a16:creationId xmlns:a16="http://schemas.microsoft.com/office/drawing/2014/main" id="{33586FAE-863D-4C94-A015-5A87A5EACD02}"/>
               </a:ext>
             </a:extLst>
           </p:cNvPr>
@@ -37507,7 +37542,7 @@
           <p:cNvPr id="12" name="차트 11">
             <a:extLst>
               <a:ext uri="{FF2B5EF4-FFF2-40B4-BE49-F238E27FC236}">
-                <a16:creationId xmlns:a16="http://schemas.microsoft.com/office/drawing/2014/main" xmlns="" id="{CC389B00-C370-48C4-BC75-41E896F31E43}"/>
+                <a16:creationId xmlns:a16="http://schemas.microsoft.com/office/drawing/2014/main" id="{CC389B00-C370-48C4-BC75-41E896F31E43}"/>
               </a:ext>
             </a:extLst>
           </p:cNvPr>
@@ -37531,7 +37566,7 @@
           <p:cNvPr id="13" name="직사각형 12">
             <a:extLst>
               <a:ext uri="{FF2B5EF4-FFF2-40B4-BE49-F238E27FC236}">
-                <a16:creationId xmlns:a16="http://schemas.microsoft.com/office/drawing/2014/main" xmlns="" id="{70B0F886-D43F-409F-A317-156EAC6AAA60}"/>
+                <a16:creationId xmlns:a16="http://schemas.microsoft.com/office/drawing/2014/main" id="{70B0F886-D43F-409F-A317-156EAC6AAA60}"/>
               </a:ext>
             </a:extLst>
           </p:cNvPr>
@@ -37595,7 +37630,7 @@
           <p:cNvPr id="14" name="꺾인 연결선 12">
             <a:extLst>
               <a:ext uri="{FF2B5EF4-FFF2-40B4-BE49-F238E27FC236}">
-                <a16:creationId xmlns:a16="http://schemas.microsoft.com/office/drawing/2014/main" xmlns="" id="{DD5A6081-432E-4472-99DD-7D43E0CAF309}"/>
+                <a16:creationId xmlns:a16="http://schemas.microsoft.com/office/drawing/2014/main" id="{DD5A6081-432E-4472-99DD-7D43E0CAF309}"/>
               </a:ext>
             </a:extLst>
           </p:cNvPr>
@@ -37641,7 +37676,7 @@
           <p:cNvPr id="15" name="직사각형 14">
             <a:extLst>
               <a:ext uri="{FF2B5EF4-FFF2-40B4-BE49-F238E27FC236}">
-                <a16:creationId xmlns:a16="http://schemas.microsoft.com/office/drawing/2014/main" xmlns="" id="{3712C800-7148-4C50-BF88-E53983FE639B}"/>
+                <a16:creationId xmlns:a16="http://schemas.microsoft.com/office/drawing/2014/main" id="{3712C800-7148-4C50-BF88-E53983FE639B}"/>
               </a:ext>
             </a:extLst>
           </p:cNvPr>
@@ -37714,7 +37749,7 @@
           <p:cNvPr id="16" name="직사각형 15">
             <a:extLst>
               <a:ext uri="{FF2B5EF4-FFF2-40B4-BE49-F238E27FC236}">
-                <a16:creationId xmlns:a16="http://schemas.microsoft.com/office/drawing/2014/main" xmlns="" id="{77F0FEA9-5FD7-48D1-B957-8B898646F758}"/>
+                <a16:creationId xmlns:a16="http://schemas.microsoft.com/office/drawing/2014/main" id="{77F0FEA9-5FD7-48D1-B957-8B898646F758}"/>
               </a:ext>
             </a:extLst>
           </p:cNvPr>
@@ -37819,7 +37854,7 @@
           <p:cNvPr id="17" name="직사각형 16">
             <a:extLst>
               <a:ext uri="{FF2B5EF4-FFF2-40B4-BE49-F238E27FC236}">
-                <a16:creationId xmlns:a16="http://schemas.microsoft.com/office/drawing/2014/main" xmlns="" id="{93E1D564-D2EE-49D4-AF4D-8E4E1842A7DC}"/>
+                <a16:creationId xmlns:a16="http://schemas.microsoft.com/office/drawing/2014/main" id="{93E1D564-D2EE-49D4-AF4D-8E4E1842A7DC}"/>
               </a:ext>
             </a:extLst>
           </p:cNvPr>
@@ -37932,7 +37967,7 @@
           <p:cNvPr id="7" name="직사각형 6">
             <a:extLst>
               <a:ext uri="{FF2B5EF4-FFF2-40B4-BE49-F238E27FC236}">
-                <a16:creationId xmlns:a16="http://schemas.microsoft.com/office/drawing/2014/main" xmlns="" id="{F2AA9109-B962-4872-92E4-F512F5D992C5}"/>
+                <a16:creationId xmlns:a16="http://schemas.microsoft.com/office/drawing/2014/main" id="{F2AA9109-B962-4872-92E4-F512F5D992C5}"/>
               </a:ext>
             </a:extLst>
           </p:cNvPr>
@@ -38006,7 +38041,7 @@
           <p:cNvPr id="9" name="직각 삼각형 8">
             <a:extLst>
               <a:ext uri="{FF2B5EF4-FFF2-40B4-BE49-F238E27FC236}">
-                <a16:creationId xmlns:a16="http://schemas.microsoft.com/office/drawing/2014/main" xmlns="" id="{6CA9FC8F-94CE-40E9-9CF0-EB8C85E1615C}"/>
+                <a16:creationId xmlns:a16="http://schemas.microsoft.com/office/drawing/2014/main" id="{6CA9FC8F-94CE-40E9-9CF0-EB8C85E1615C}"/>
               </a:ext>
             </a:extLst>
           </p:cNvPr>
@@ -38064,7 +38099,7 @@
           <p:cNvPr id="10" name="평행 사변형 9">
             <a:extLst>
               <a:ext uri="{FF2B5EF4-FFF2-40B4-BE49-F238E27FC236}">
-                <a16:creationId xmlns:a16="http://schemas.microsoft.com/office/drawing/2014/main" xmlns="" id="{444269DF-C2DC-4044-B0FC-CC9F3A2AFF9D}"/>
+                <a16:creationId xmlns:a16="http://schemas.microsoft.com/office/drawing/2014/main" id="{444269DF-C2DC-4044-B0FC-CC9F3A2AFF9D}"/>
               </a:ext>
             </a:extLst>
           </p:cNvPr>
@@ -38124,7 +38159,7 @@
           <p:cNvPr id="11" name="평행 사변형 10">
             <a:extLst>
               <a:ext uri="{FF2B5EF4-FFF2-40B4-BE49-F238E27FC236}">
-                <a16:creationId xmlns:a16="http://schemas.microsoft.com/office/drawing/2014/main" xmlns="" id="{33586FAE-863D-4C94-A015-5A87A5EACD02}"/>
+                <a16:creationId xmlns:a16="http://schemas.microsoft.com/office/drawing/2014/main" id="{33586FAE-863D-4C94-A015-5A87A5EACD02}"/>
               </a:ext>
             </a:extLst>
           </p:cNvPr>
@@ -38797,28 +38832,28 @@
                 <a:gridCol w="2045214">
                   <a:extLst>
                     <a:ext uri="{9D8B030D-6E8A-4147-A177-3AD203B41FA5}">
-                      <a16:colId xmlns:a16="http://schemas.microsoft.com/office/drawing/2014/main" xmlns="" val="20000"/>
+                      <a16:colId xmlns:a16="http://schemas.microsoft.com/office/drawing/2014/main" val="20000"/>
                     </a:ext>
                   </a:extLst>
                 </a:gridCol>
                 <a:gridCol w="2045214">
                   <a:extLst>
                     <a:ext uri="{9D8B030D-6E8A-4147-A177-3AD203B41FA5}">
-                      <a16:colId xmlns:a16="http://schemas.microsoft.com/office/drawing/2014/main" xmlns="" val="20001"/>
+                      <a16:colId xmlns:a16="http://schemas.microsoft.com/office/drawing/2014/main" val="20001"/>
                     </a:ext>
                   </a:extLst>
                 </a:gridCol>
                 <a:gridCol w="2045214">
                   <a:extLst>
                     <a:ext uri="{9D8B030D-6E8A-4147-A177-3AD203B41FA5}">
-                      <a16:colId xmlns:a16="http://schemas.microsoft.com/office/drawing/2014/main" xmlns="" val="20002"/>
+                      <a16:colId xmlns:a16="http://schemas.microsoft.com/office/drawing/2014/main" val="20002"/>
                     </a:ext>
                   </a:extLst>
                 </a:gridCol>
                 <a:gridCol w="4090428">
                   <a:extLst>
                     <a:ext uri="{9D8B030D-6E8A-4147-A177-3AD203B41FA5}">
-                      <a16:colId xmlns:a16="http://schemas.microsoft.com/office/drawing/2014/main" xmlns="" val="20003"/>
+                      <a16:colId xmlns:a16="http://schemas.microsoft.com/office/drawing/2014/main" val="20003"/>
                     </a:ext>
                   </a:extLst>
                 </a:gridCol>
@@ -39206,7 +39241,7 @@
                 </a:tc>
                 <a:extLst>
                   <a:ext uri="{0D108BD9-81ED-4DB2-BD59-A6C34878D82A}">
-                    <a16:rowId xmlns:a16="http://schemas.microsoft.com/office/drawing/2014/main" xmlns="" val="10000"/>
+                    <a16:rowId xmlns:a16="http://schemas.microsoft.com/office/drawing/2014/main" val="10000"/>
                   </a:ext>
                 </a:extLst>
               </a:tr>
@@ -39536,7 +39571,7 @@
                 </a:tc>
                 <a:extLst>
                   <a:ext uri="{0D108BD9-81ED-4DB2-BD59-A6C34878D82A}">
-                    <a16:rowId xmlns:a16="http://schemas.microsoft.com/office/drawing/2014/main" xmlns="" val="10001"/>
+                    <a16:rowId xmlns:a16="http://schemas.microsoft.com/office/drawing/2014/main" val="10001"/>
                   </a:ext>
                 </a:extLst>
               </a:tr>
@@ -39877,7 +39912,7 @@
                 </a:tc>
                 <a:extLst>
                   <a:ext uri="{0D108BD9-81ED-4DB2-BD59-A6C34878D82A}">
-                    <a16:rowId xmlns:a16="http://schemas.microsoft.com/office/drawing/2014/main" xmlns="" val="10002"/>
+                    <a16:rowId xmlns:a16="http://schemas.microsoft.com/office/drawing/2014/main" val="10002"/>
                   </a:ext>
                 </a:extLst>
               </a:tr>
@@ -39890,7 +39925,7 @@
           <p:cNvPr id="14" name="직사각형 13">
             <a:extLst>
               <a:ext uri="{FF2B5EF4-FFF2-40B4-BE49-F238E27FC236}">
-                <a16:creationId xmlns:a16="http://schemas.microsoft.com/office/drawing/2014/main" xmlns="" id="{93E1D564-D2EE-49D4-AF4D-8E4E1842A7DC}"/>
+                <a16:creationId xmlns:a16="http://schemas.microsoft.com/office/drawing/2014/main" id="{93E1D564-D2EE-49D4-AF4D-8E4E1842A7DC}"/>
               </a:ext>
             </a:extLst>
           </p:cNvPr>
@@ -40003,7 +40038,7 @@
           <p:cNvPr id="7" name="직사각형 6">
             <a:extLst>
               <a:ext uri="{FF2B5EF4-FFF2-40B4-BE49-F238E27FC236}">
-                <a16:creationId xmlns:a16="http://schemas.microsoft.com/office/drawing/2014/main" xmlns="" id="{F2AA9109-B962-4872-92E4-F512F5D992C5}"/>
+                <a16:creationId xmlns:a16="http://schemas.microsoft.com/office/drawing/2014/main" id="{F2AA9109-B962-4872-92E4-F512F5D992C5}"/>
               </a:ext>
             </a:extLst>
           </p:cNvPr>
@@ -40077,7 +40112,7 @@
           <p:cNvPr id="9" name="직각 삼각형 8">
             <a:extLst>
               <a:ext uri="{FF2B5EF4-FFF2-40B4-BE49-F238E27FC236}">
-                <a16:creationId xmlns:a16="http://schemas.microsoft.com/office/drawing/2014/main" xmlns="" id="{6CA9FC8F-94CE-40E9-9CF0-EB8C85E1615C}"/>
+                <a16:creationId xmlns:a16="http://schemas.microsoft.com/office/drawing/2014/main" id="{6CA9FC8F-94CE-40E9-9CF0-EB8C85E1615C}"/>
               </a:ext>
             </a:extLst>
           </p:cNvPr>
@@ -40135,7 +40170,7 @@
           <p:cNvPr id="10" name="평행 사변형 9">
             <a:extLst>
               <a:ext uri="{FF2B5EF4-FFF2-40B4-BE49-F238E27FC236}">
-                <a16:creationId xmlns:a16="http://schemas.microsoft.com/office/drawing/2014/main" xmlns="" id="{444269DF-C2DC-4044-B0FC-CC9F3A2AFF9D}"/>
+                <a16:creationId xmlns:a16="http://schemas.microsoft.com/office/drawing/2014/main" id="{444269DF-C2DC-4044-B0FC-CC9F3A2AFF9D}"/>
               </a:ext>
             </a:extLst>
           </p:cNvPr>
@@ -40195,7 +40230,7 @@
           <p:cNvPr id="11" name="평행 사변형 10">
             <a:extLst>
               <a:ext uri="{FF2B5EF4-FFF2-40B4-BE49-F238E27FC236}">
-                <a16:creationId xmlns:a16="http://schemas.microsoft.com/office/drawing/2014/main" xmlns="" id="{33586FAE-863D-4C94-A015-5A87A5EACD02}"/>
+                <a16:creationId xmlns:a16="http://schemas.microsoft.com/office/drawing/2014/main" id="{33586FAE-863D-4C94-A015-5A87A5EACD02}"/>
               </a:ext>
             </a:extLst>
           </p:cNvPr>
@@ -41251,7 +41286,7 @@
           <p:cNvPr id="25" name="직사각형 24">
             <a:extLst>
               <a:ext uri="{FF2B5EF4-FFF2-40B4-BE49-F238E27FC236}">
-                <a16:creationId xmlns:a16="http://schemas.microsoft.com/office/drawing/2014/main" xmlns="" id="{93E1D564-D2EE-49D4-AF4D-8E4E1842A7DC}"/>
+                <a16:creationId xmlns:a16="http://schemas.microsoft.com/office/drawing/2014/main" id="{93E1D564-D2EE-49D4-AF4D-8E4E1842A7DC}"/>
               </a:ext>
             </a:extLst>
           </p:cNvPr>
@@ -41412,7 +41447,7 @@
           <p:cNvPr id="7" name="직사각형 6">
             <a:extLst>
               <a:ext uri="{FF2B5EF4-FFF2-40B4-BE49-F238E27FC236}">
-                <a16:creationId xmlns:a16="http://schemas.microsoft.com/office/drawing/2014/main" xmlns="" id="{F2AA9109-B962-4872-92E4-F512F5D992C5}"/>
+                <a16:creationId xmlns:a16="http://schemas.microsoft.com/office/drawing/2014/main" id="{F2AA9109-B962-4872-92E4-F512F5D992C5}"/>
               </a:ext>
             </a:extLst>
           </p:cNvPr>
@@ -41478,7 +41513,7 @@
           <p:cNvPr id="9" name="직각 삼각형 8">
             <a:extLst>
               <a:ext uri="{FF2B5EF4-FFF2-40B4-BE49-F238E27FC236}">
-                <a16:creationId xmlns:a16="http://schemas.microsoft.com/office/drawing/2014/main" xmlns="" id="{6CA9FC8F-94CE-40E9-9CF0-EB8C85E1615C}"/>
+                <a16:creationId xmlns:a16="http://schemas.microsoft.com/office/drawing/2014/main" id="{6CA9FC8F-94CE-40E9-9CF0-EB8C85E1615C}"/>
               </a:ext>
             </a:extLst>
           </p:cNvPr>
@@ -41536,7 +41571,7 @@
           <p:cNvPr id="10" name="평행 사변형 9">
             <a:extLst>
               <a:ext uri="{FF2B5EF4-FFF2-40B4-BE49-F238E27FC236}">
-                <a16:creationId xmlns:a16="http://schemas.microsoft.com/office/drawing/2014/main" xmlns="" id="{444269DF-C2DC-4044-B0FC-CC9F3A2AFF9D}"/>
+                <a16:creationId xmlns:a16="http://schemas.microsoft.com/office/drawing/2014/main" id="{444269DF-C2DC-4044-B0FC-CC9F3A2AFF9D}"/>
               </a:ext>
             </a:extLst>
           </p:cNvPr>
@@ -41596,7 +41631,7 @@
           <p:cNvPr id="11" name="평행 사변형 10">
             <a:extLst>
               <a:ext uri="{FF2B5EF4-FFF2-40B4-BE49-F238E27FC236}">
-                <a16:creationId xmlns:a16="http://schemas.microsoft.com/office/drawing/2014/main" xmlns="" id="{33586FAE-863D-4C94-A015-5A87A5EACD02}"/>
+                <a16:creationId xmlns:a16="http://schemas.microsoft.com/office/drawing/2014/main" id="{33586FAE-863D-4C94-A015-5A87A5EACD02}"/>
               </a:ext>
             </a:extLst>
           </p:cNvPr>
@@ -50653,7 +50688,7 @@
           <p:cNvPr id="54" name="직사각형 53">
             <a:extLst>
               <a:ext uri="{FF2B5EF4-FFF2-40B4-BE49-F238E27FC236}">
-                <a16:creationId xmlns:a16="http://schemas.microsoft.com/office/drawing/2014/main" xmlns="" id="{93E1D564-D2EE-49D4-AF4D-8E4E1842A7DC}"/>
+                <a16:creationId xmlns:a16="http://schemas.microsoft.com/office/drawing/2014/main" id="{93E1D564-D2EE-49D4-AF4D-8E4E1842A7DC}"/>
               </a:ext>
             </a:extLst>
           </p:cNvPr>
@@ -51068,7 +51103,7 @@
   <a:extraClrSchemeLst/>
   <a:extLst>
     <a:ext uri="{05A4C25C-085E-4340-85A3-A5531E510DB2}">
-      <thm15:themeFamily xmlns:thm15="http://schemas.microsoft.com/office/thememl/2012/main" xmlns="" name="Office Theme" id="{62F939B6-93AF-4DB8-9C6B-D6C7DFDC589F}" vid="{4A3C46E8-61CC-4603-A589-7422A47A8E4A}"/>
+      <thm15:themeFamily xmlns:thm15="http://schemas.microsoft.com/office/thememl/2012/main" name="Office Theme" id="{62F939B6-93AF-4DB8-9C6B-D6C7DFDC589F}" vid="{4A3C46E8-61CC-4603-A589-7422A47A8E4A}"/>
     </a:ext>
   </a:extLst>
 </a:theme>
